--- a/src/site/discrete2021/slides/Discrete-Ch07P1.pptx
+++ b/src/site/discrete2021/slides/Discrete-Ch07P1.pptx
@@ -209,7 +209,7 @@
           <a:p>
             <a:fld id="{21C6C08E-8AD4-46C5-BAC9-3D04C6463705}" type="datetimeFigureOut">
               <a:rPr lang="lv-LV" smtClean="0"/>
-              <a:t>15.03.2021</a:t>
+              <a:t>14.04.2021</a:t>
             </a:fld>
             <a:endParaRPr lang="lv-LV"/>
           </a:p>
@@ -611,77 +611,6 @@
           <a:bodyPr/>
           <a:lstStyle/>
           <a:p>
-            <a:pPr marL="0" marR="0" indent="0" algn="l" defTabSz="914400" rtl="0" eaLnBrk="1" fontAlgn="auto" latinLnBrk="0" hangingPunct="1">
-              <a:lnSpc>
-                <a:spcPct val="100000"/>
-              </a:lnSpc>
-              <a:spcBef>
-                <a:spcPts val="0"/>
-              </a:spcBef>
-              <a:spcAft>
-                <a:spcPts val="0"/>
-              </a:spcAft>
-              <a:buClrTx/>
-              <a:buSzTx/>
-              <a:buFontTx/>
-              <a:buNone/>
-              <a:tabLst/>
-              <a:defRPr/>
-            </a:pPr>
-            <a:r>
-              <a:rPr lang="en-US" b="1" dirty="0" smtClean="0"/>
-              <a:t>Solution</a:t>
-            </a:r>
-            <a:r>
-              <a:rPr lang="en-US" dirty="0" smtClean="0"/>
-              <a:t>: You should switch. The probability that your initial pick is correct is </a:t>
-            </a:r>
-            <a:r>
-              <a:rPr lang="en-US" dirty="0" smtClean="0">
-                <a:latin typeface="Cambria Math" pitchFamily="18" charset="0"/>
-                <a:ea typeface="Cambria Math" pitchFamily="18" charset="0"/>
-              </a:rPr>
-              <a:t>1</a:t>
-            </a:r>
-            <a:r>
-              <a:rPr lang="en-US" dirty="0" smtClean="0"/>
-              <a:t>/</a:t>
-            </a:r>
-            <a:r>
-              <a:rPr lang="en-US" dirty="0" smtClean="0">
-                <a:latin typeface="Cambria Math" pitchFamily="18" charset="0"/>
-                <a:ea typeface="Cambria Math" pitchFamily="18" charset="0"/>
-              </a:rPr>
-              <a:t>3</a:t>
-            </a:r>
-            <a:r>
-              <a:rPr lang="en-US" dirty="0" smtClean="0"/>
-              <a:t>. This is the same whether or not you switch doors. But since the game show host always opens a door that does not have the prize, if you switch the probability of winning will be </a:t>
-            </a:r>
-            <a:r>
-              <a:rPr lang="en-US" dirty="0" smtClean="0">
-                <a:latin typeface="Cambria Math" pitchFamily="18" charset="0"/>
-                <a:ea typeface="Cambria Math" pitchFamily="18" charset="0"/>
-              </a:rPr>
-              <a:t>2/3</a:t>
-            </a:r>
-            <a:r>
-              <a:rPr lang="en-US" dirty="0" smtClean="0"/>
-              <a:t>, because you win if your initial pick was not the correct door and the probability your initial pick was wrong is </a:t>
-            </a:r>
-            <a:r>
-              <a:rPr lang="en-US" dirty="0" smtClean="0">
-                <a:latin typeface="Cambria Math" pitchFamily="18" charset="0"/>
-                <a:ea typeface="Cambria Math" pitchFamily="18" charset="0"/>
-              </a:rPr>
-              <a:t>2/3</a:t>
-            </a:r>
-            <a:r>
-              <a:rPr lang="en-US" dirty="0" smtClean="0"/>
-              <a:t>.</a:t>
-            </a:r>
-          </a:p>
-          <a:p>
             <a:endParaRPr lang="lv-LV" dirty="0"/>
           </a:p>
         </p:txBody>
@@ -853,7 +782,7 @@
           <a:p>
             <a:fld id="{5ADEB7B1-3A76-4692-AABD-C23989DC5F71}" type="datetimeFigureOut">
               <a:rPr lang="lv-LV" smtClean="0"/>
-              <a:t>15.03.2021</a:t>
+              <a:t>14.04.2021</a:t>
             </a:fld>
             <a:endParaRPr lang="lv-LV"/>
           </a:p>
@@ -1023,7 +952,7 @@
           <a:p>
             <a:fld id="{5ADEB7B1-3A76-4692-AABD-C23989DC5F71}" type="datetimeFigureOut">
               <a:rPr lang="lv-LV" smtClean="0"/>
-              <a:t>15.03.2021</a:t>
+              <a:t>14.04.2021</a:t>
             </a:fld>
             <a:endParaRPr lang="lv-LV"/>
           </a:p>
@@ -1203,7 +1132,7 @@
           <a:p>
             <a:fld id="{5ADEB7B1-3A76-4692-AABD-C23989DC5F71}" type="datetimeFigureOut">
               <a:rPr lang="lv-LV" smtClean="0"/>
-              <a:t>15.03.2021</a:t>
+              <a:t>14.04.2021</a:t>
             </a:fld>
             <a:endParaRPr lang="lv-LV"/>
           </a:p>
@@ -1373,7 +1302,7 @@
           <a:p>
             <a:fld id="{5ADEB7B1-3A76-4692-AABD-C23989DC5F71}" type="datetimeFigureOut">
               <a:rPr lang="lv-LV" smtClean="0"/>
-              <a:t>15.03.2021</a:t>
+              <a:t>14.04.2021</a:t>
             </a:fld>
             <a:endParaRPr lang="lv-LV"/>
           </a:p>
@@ -1619,7 +1548,7 @@
           <a:p>
             <a:fld id="{5ADEB7B1-3A76-4692-AABD-C23989DC5F71}" type="datetimeFigureOut">
               <a:rPr lang="lv-LV" smtClean="0"/>
-              <a:t>15.03.2021</a:t>
+              <a:t>14.04.2021</a:t>
             </a:fld>
             <a:endParaRPr lang="lv-LV"/>
           </a:p>
@@ -1851,7 +1780,7 @@
           <a:p>
             <a:fld id="{5ADEB7B1-3A76-4692-AABD-C23989DC5F71}" type="datetimeFigureOut">
               <a:rPr lang="lv-LV" smtClean="0"/>
-              <a:t>15.03.2021</a:t>
+              <a:t>14.04.2021</a:t>
             </a:fld>
             <a:endParaRPr lang="lv-LV"/>
           </a:p>
@@ -2218,7 +2147,7 @@
           <a:p>
             <a:fld id="{5ADEB7B1-3A76-4692-AABD-C23989DC5F71}" type="datetimeFigureOut">
               <a:rPr lang="lv-LV" smtClean="0"/>
-              <a:t>15.03.2021</a:t>
+              <a:t>14.04.2021</a:t>
             </a:fld>
             <a:endParaRPr lang="lv-LV"/>
           </a:p>
@@ -2336,7 +2265,7 @@
           <a:p>
             <a:fld id="{5ADEB7B1-3A76-4692-AABD-C23989DC5F71}" type="datetimeFigureOut">
               <a:rPr lang="lv-LV" smtClean="0"/>
-              <a:t>15.03.2021</a:t>
+              <a:t>14.04.2021</a:t>
             </a:fld>
             <a:endParaRPr lang="lv-LV"/>
           </a:p>
@@ -2431,7 +2360,7 @@
           <a:p>
             <a:fld id="{5ADEB7B1-3A76-4692-AABD-C23989DC5F71}" type="datetimeFigureOut">
               <a:rPr lang="lv-LV" smtClean="0"/>
-              <a:t>15.03.2021</a:t>
+              <a:t>14.04.2021</a:t>
             </a:fld>
             <a:endParaRPr lang="lv-LV"/>
           </a:p>
@@ -2708,7 +2637,7 @@
           <a:p>
             <a:fld id="{5ADEB7B1-3A76-4692-AABD-C23989DC5F71}" type="datetimeFigureOut">
               <a:rPr lang="lv-LV" smtClean="0"/>
-              <a:t>15.03.2021</a:t>
+              <a:t>14.04.2021</a:t>
             </a:fld>
             <a:endParaRPr lang="lv-LV"/>
           </a:p>
@@ -2961,7 +2890,7 @@
           <a:p>
             <a:fld id="{5ADEB7B1-3A76-4692-AABD-C23989DC5F71}" type="datetimeFigureOut">
               <a:rPr lang="lv-LV" smtClean="0"/>
-              <a:t>15.03.2021</a:t>
+              <a:t>14.04.2021</a:t>
             </a:fld>
             <a:endParaRPr lang="lv-LV"/>
           </a:p>
@@ -3174,7 +3103,7 @@
           <a:p>
             <a:fld id="{5ADEB7B1-3A76-4692-AABD-C23989DC5F71}" type="datetimeFigureOut">
               <a:rPr lang="lv-LV" smtClean="0"/>
-              <a:t>15.03.2021</a:t>
+              <a:t>14.04.2021</a:t>
             </a:fld>
             <a:endParaRPr lang="lv-LV"/>
           </a:p>
